--- a/libs/materials/community-of-practice-2018-03-07.pptx
+++ b/libs/materials/community-of-practice-2018-03-07.pptx
@@ -1022,7 +1022,7 @@
                 </a:spcAft>
                 <a:defRPr/>
               </a:pPr>
-              <a:t>2018-03-05</a:t>
+              <a:t>2018-03-07</a:t>
             </a:fld>
             <a:endParaRPr lang="en-US" altLang="en-US">
               <a:solidFill>
@@ -1922,7 +1922,7 @@
                 </a:spcAft>
                 <a:defRPr/>
               </a:pPr>
-              <a:t>2018-03-05</a:t>
+              <a:t>2018-03-07</a:t>
             </a:fld>
             <a:endParaRPr lang="en-US" altLang="en-US">
               <a:solidFill>
@@ -2710,7 +2710,7 @@
                 </a:spcAft>
                 <a:defRPr/>
               </a:pPr>
-              <a:t>2018-03-05</a:t>
+              <a:t>2018-03-07</a:t>
             </a:fld>
             <a:endParaRPr lang="en-US" altLang="en-US">
               <a:solidFill>
@@ -3412,20 +3412,46 @@
             <p:ph type="body" sz="quarter" idx="10"/>
           </p:nvPr>
         </p:nvSpPr>
-        <p:spPr/>
+        <p:spPr>
+          <a:xfrm>
+            <a:off x="533150" y="4365104"/>
+            <a:ext cx="8604448" cy="1378173"/>
+          </a:xfrm>
+        </p:spPr>
         <p:txBody>
           <a:bodyPr/>
           <a:lstStyle/>
           <a:p>
             <a:r>
+              <a:rPr lang="en-CA" dirty="0" err="1" smtClean="0"/>
+              <a:t>Andriy</a:t>
+            </a:r>
+            <a:r>
               <a:rPr lang="en-CA" dirty="0" smtClean="0"/>
-              <a:t>Andriy Koval, PhD</a:t>
+              <a:t> </a:t>
             </a:r>
+            <a:r>
+              <a:rPr lang="en-CA" dirty="0" smtClean="0"/>
+              <a:t>Koval, </a:t>
+            </a:r>
+            <a:r>
+              <a:rPr lang="en-US" dirty="0" smtClean="0"/>
+              <a:t>CIHR </a:t>
+            </a:r>
+            <a:r>
+              <a:rPr lang="en-US" dirty="0"/>
+              <a:t>Health System Impact Fellow</a:t>
+            </a:r>
+            <a:endParaRPr lang="en-CA" dirty="0" smtClean="0"/>
           </a:p>
           <a:p>
             <a:r>
               <a:rPr lang="en-CA" dirty="0" smtClean="0"/>
-              <a:t>Brent Harris</a:t>
+              <a:t>Brent </a:t>
+            </a:r>
+            <a:r>
+              <a:rPr lang="en-CA" dirty="0" smtClean="0"/>
+              <a:t>Harris, Regional Epidemiologist (Interior)</a:t>
             </a:r>
             <a:endParaRPr lang="en-CA" dirty="0"/>
           </a:p>
@@ -3443,17 +3469,45 @@
         </p:nvSpPr>
         <p:spPr>
           <a:xfrm>
-            <a:off x="323528" y="1916832"/>
-            <a:ext cx="8352928" cy="1693143"/>
+            <a:off x="395536" y="1628800"/>
+            <a:ext cx="8352928" cy="2088232"/>
           </a:xfrm>
         </p:spPr>
         <p:txBody>
           <a:bodyPr/>
           <a:lstStyle/>
           <a:p>
+            <a:pPr algn="ctr"/>
             <a:r>
-              <a:rPr lang="en-CA" dirty="0" smtClean="0"/>
-              <a:t>Automated Data Suppression</a:t>
+              <a:rPr lang="en-US" dirty="0"/>
+              <a:t>Automated </a:t>
+            </a:r>
+            <a:endParaRPr lang="en-US" dirty="0" smtClean="0"/>
+          </a:p>
+          <a:p>
+            <a:pPr algn="ctr"/>
+            <a:r>
+              <a:rPr lang="en-US" dirty="0" smtClean="0"/>
+              <a:t>Small </a:t>
+            </a:r>
+            <a:r>
+              <a:rPr lang="en-US" dirty="0"/>
+              <a:t>Cell </a:t>
+            </a:r>
+            <a:r>
+              <a:rPr lang="en-US" dirty="0" smtClean="0"/>
+              <a:t>Suppression</a:t>
+            </a:r>
+          </a:p>
+          <a:p>
+            <a:pPr algn="ctr"/>
+            <a:r>
+              <a:rPr lang="en-US" dirty="0" smtClean="0"/>
+              <a:t> </a:t>
+            </a:r>
+            <a:r>
+              <a:rPr lang="en-US" dirty="0"/>
+              <a:t>for Public Release</a:t>
             </a:r>
             <a:endParaRPr lang="en-CA" dirty="0"/>
           </a:p>
